--- a/Slides/Aula8.pptx
+++ b/Slides/Aula8.pptx
@@ -2895,7 +2895,7 @@
             <a:fld id="{0A98AF03-7270-45C2-A683-C5E353EF01A5}" type="datetime4">
               <a:rPr lang="en-US" smtClean="0"/>
               <a:pPr/>
-              <a:t>June 17, 2015</a:t>
+              <a:t>June 18, 2015</a:t>
             </a:fld>
             <a:endParaRPr lang="en-US" dirty="0"/>
           </a:p>
@@ -3182,7 +3182,7 @@
             <a:fld id="{A2FB5AFD-D735-4504-A039-ADEBB6448D55}" type="datetime4">
               <a:rPr lang="en-US" smtClean="0"/>
               <a:pPr/>
-              <a:t>June 17, 2015</a:t>
+              <a:t>June 18, 2015</a:t>
             </a:fld>
             <a:endParaRPr lang="en-US"/>
           </a:p>
@@ -3359,7 +3359,7 @@
             <a:fld id="{AB5C8118-FB93-4E87-B380-0175F2FE2167}" type="datetime4">
               <a:rPr lang="en-US" smtClean="0"/>
               <a:pPr/>
-              <a:t>June 17, 2015</a:t>
+              <a:t>June 18, 2015</a:t>
             </a:fld>
             <a:endParaRPr lang="en-US"/>
           </a:p>
@@ -3526,7 +3526,7 @@
             <a:fld id="{05A93482-8E69-40F7-BCAD-5662A6CADB27}" type="datetime4">
               <a:rPr lang="en-US" smtClean="0"/>
               <a:pPr/>
-              <a:t>June 17, 2015</a:t>
+              <a:t>June 18, 2015</a:t>
             </a:fld>
             <a:endParaRPr lang="en-US"/>
           </a:p>
@@ -3769,7 +3769,7 @@
             <a:fld id="{FBB7EAE1-CAAC-4AEF-919E-158692B1E55E}" type="datetime4">
               <a:rPr lang="en-US" smtClean="0"/>
               <a:pPr/>
-              <a:t>June 17, 2015</a:t>
+              <a:t>June 18, 2015</a:t>
             </a:fld>
             <a:endParaRPr lang="en-US"/>
           </a:p>
@@ -3884,7 +3884,7 @@
             <a:fld id="{9525A706-D8F2-4D1A-855A-CADC92600C26}" type="datetime4">
               <a:rPr lang="en-US" smtClean="0"/>
               <a:pPr/>
-              <a:t>June 17, 2015</a:t>
+              <a:t>June 18, 2015</a:t>
             </a:fld>
             <a:endParaRPr lang="en-US"/>
           </a:p>
@@ -4425,7 +4425,7 @@
             <a:fld id="{99B4F123-1704-49AC-9D15-C4B1462B8014}" type="datetime4">
               <a:rPr lang="en-US" smtClean="0"/>
               <a:pPr/>
-              <a:t>June 17, 2015</a:t>
+              <a:t>June 18, 2015</a:t>
             </a:fld>
             <a:endParaRPr lang="en-US"/>
           </a:p>
@@ -4540,7 +4540,7 @@
             <a:fld id="{E3127EC2-47FB-48A1-8644-C8A81DDAA119}" type="datetime4">
               <a:rPr lang="en-US" smtClean="0"/>
               <a:pPr/>
-              <a:t>June 17, 2015</a:t>
+              <a:t>June 18, 2015</a:t>
             </a:fld>
             <a:endParaRPr lang="en-US"/>
           </a:p>
@@ -4632,7 +4632,7 @@
             <a:fld id="{AE3EC3ED-7435-49F9-84C8-03CCA2F8DEDB}" type="datetime4">
               <a:rPr lang="en-US" smtClean="0"/>
               <a:pPr/>
-              <a:t>June 17, 2015</a:t>
+              <a:t>June 18, 2015</a:t>
             </a:fld>
             <a:endParaRPr lang="en-US"/>
           </a:p>
@@ -7285,7 +7285,7 @@
             <a:fld id="{3FC49BF1-FCD3-4395-8FF6-0047AF66228E}" type="datetime4">
               <a:rPr lang="en-US" smtClean="0"/>
               <a:pPr/>
-              <a:t>June 17, 2015</a:t>
+              <a:t>June 18, 2015</a:t>
             </a:fld>
             <a:endParaRPr lang="en-US"/>
           </a:p>
@@ -10499,7 +10499,7 @@
             <a:fld id="{CA861222-2C8B-4501-BE87-6797EC025925}" type="datetime4">
               <a:rPr lang="en-US" smtClean="0"/>
               <a:pPr/>
-              <a:t>June 17, 2015</a:t>
+              <a:t>June 18, 2015</a:t>
             </a:fld>
             <a:endParaRPr lang="en-US"/>
           </a:p>
@@ -13323,7 +13323,7 @@
             <a:fld id="{16C01193-8287-4834-A286-6B880643E934}" type="datetime4">
               <a:rPr lang="en-US" smtClean="0"/>
               <a:pPr/>
-              <a:t>June 17, 2015</a:t>
+              <a:t>June 18, 2015</a:t>
             </a:fld>
             <a:endParaRPr lang="en-US"/>
           </a:p>
@@ -13857,6 +13857,13 @@
   <p:clrMapOvr>
     <a:masterClrMapping/>
   </p:clrMapOvr>
+  <p:timing>
+    <p:tnLst>
+      <p:par>
+        <p:cTn xmlns:p14="http://schemas.microsoft.com/office/powerpoint/2010/main" id="1" dur="indefinite" restart="never" nodeType="tmRoot"/>
+      </p:par>
+    </p:tnLst>
+  </p:timing>
 </p:sld>
 </file>
 
@@ -15018,6 +15025,13 @@
   <p:clrMapOvr>
     <a:masterClrMapping/>
   </p:clrMapOvr>
+  <p:timing>
+    <p:tnLst>
+      <p:par>
+        <p:cTn xmlns:p14="http://schemas.microsoft.com/office/powerpoint/2010/main" id="1" dur="indefinite" restart="never" nodeType="tmRoot"/>
+      </p:par>
+    </p:tnLst>
+  </p:timing>
 </p:sld>
 </file>
 
@@ -16211,6 +16225,13 @@
   <p:clrMapOvr>
     <a:masterClrMapping/>
   </p:clrMapOvr>
+  <p:timing>
+    <p:tnLst>
+      <p:par>
+        <p:cTn xmlns:p14="http://schemas.microsoft.com/office/powerpoint/2010/main" id="1" dur="indefinite" restart="never" nodeType="tmRoot"/>
+      </p:par>
+    </p:tnLst>
+  </p:timing>
 </p:sld>
 </file>
 
@@ -16307,6 +16328,13 @@
   <p:clrMapOvr>
     <a:masterClrMapping/>
   </p:clrMapOvr>
+  <p:timing>
+    <p:tnLst>
+      <p:par>
+        <p:cTn xmlns:p14="http://schemas.microsoft.com/office/powerpoint/2010/main" id="1" dur="indefinite" restart="never" nodeType="tmRoot"/>
+      </p:par>
+    </p:tnLst>
+  </p:timing>
 </p:sld>
 </file>
 
@@ -16938,6 +16966,13 @@
   <p:clrMapOvr>
     <a:masterClrMapping/>
   </p:clrMapOvr>
+  <p:timing>
+    <p:tnLst>
+      <p:par>
+        <p:cTn xmlns:p14="http://schemas.microsoft.com/office/powerpoint/2010/main" id="1" dur="indefinite" restart="never" nodeType="tmRoot"/>
+      </p:par>
+    </p:tnLst>
+  </p:timing>
 </p:sld>
 </file>
 
@@ -17404,6 +17439,13 @@
   <p:clrMapOvr>
     <a:masterClrMapping/>
   </p:clrMapOvr>
+  <p:timing>
+    <p:tnLst>
+      <p:par>
+        <p:cTn xmlns:p14="http://schemas.microsoft.com/office/powerpoint/2010/main" id="1" dur="indefinite" restart="never" nodeType="tmRoot"/>
+      </p:par>
+    </p:tnLst>
+  </p:timing>
 </p:sld>
 </file>
 
@@ -18741,7 +18783,7 @@
           <p:nvPr/>
         </p:nvPicPr>
         <p:blipFill>
-          <a:blip r:embed="rId2">
+          <a:blip>
             <a:extLst>
               <a:ext uri="{28A0092B-C50C-407E-A947-70E740481C1C}">
                 <a14:useLocalDpi xmlns:a14="http://schemas.microsoft.com/office/drawing/2010/main" val="0"/>
@@ -19047,11 +19089,7 @@
             </a:pPr>
             <a:r>
               <a:rPr lang="pt-BR" dirty="0" smtClean="0"/>
-              <a:t>Jeito f</a:t>
-            </a:r>
-            <a:r>
-              <a:rPr lang="pt-BR" dirty="0" smtClean="0"/>
-              <a:t>ácil de chamar um método na thread principal:</a:t>
+              <a:t>Jeito fácil de chamar um método na thread principal:</a:t>
             </a:r>
             <a:endParaRPr lang="pt-BR" dirty="0"/>
           </a:p>
@@ -19097,6 +19135,13 @@
   <p:clrMapOvr>
     <a:masterClrMapping/>
   </p:clrMapOvr>
+  <p:timing>
+    <p:tnLst>
+      <p:par>
+        <p:cTn xmlns:p14="http://schemas.microsoft.com/office/powerpoint/2010/main" id="1" dur="indefinite" restart="never" nodeType="tmRoot"/>
+      </p:par>
+    </p:tnLst>
+  </p:timing>
 </p:sld>
 </file>
 
@@ -19229,6 +19274,13 @@
   <p:clrMapOvr>
     <a:masterClrMapping/>
   </p:clrMapOvr>
+  <p:timing>
+    <p:tnLst>
+      <p:par>
+        <p:cTn xmlns:p14="http://schemas.microsoft.com/office/powerpoint/2010/main" id="1" dur="indefinite" restart="never" nodeType="tmRoot"/>
+      </p:par>
+    </p:tnLst>
+  </p:timing>
 </p:sld>
 </file>
 
@@ -19329,15 +19381,7 @@
             </a:r>
             <a:r>
               <a:rPr lang="pt-BR" dirty="0" smtClean="0"/>
-              <a:t>, com scroll em todas as dire</a:t>
-            </a:r>
-            <a:r>
-              <a:rPr lang="pt-BR" dirty="0" smtClean="0"/>
-              <a:t>ções e zoom</a:t>
-            </a:r>
-            <a:r>
-              <a:rPr lang="pt-BR" dirty="0" smtClean="0"/>
-              <a:t>;</a:t>
+              <a:t>, com scroll em todas as direções e zoom;</a:t>
             </a:r>
             <a:endParaRPr lang="pt-BR" dirty="0"/>
           </a:p>
@@ -19353,6 +19397,13 @@
   <p:clrMapOvr>
     <a:masterClrMapping/>
   </p:clrMapOvr>
+  <p:timing>
+    <p:tnLst>
+      <p:par>
+        <p:cTn xmlns:p14="http://schemas.microsoft.com/office/powerpoint/2010/main" id="1" dur="indefinite" restart="never" nodeType="tmRoot"/>
+      </p:par>
+    </p:tnLst>
+  </p:timing>
 </p:sld>
 </file>
 
@@ -19417,7 +19468,26 @@
             </a:pPr>
             <a:r>
               <a:rPr lang="pt-BR" dirty="0" smtClean="0"/>
-              <a:t>Implementar o </a:t>
+              <a:t>Implementar gesto de pin</a:t>
+            </a:r>
+            <a:r>
+              <a:rPr lang="pt-BR" dirty="0" smtClean="0"/>
+              <a:t>ça para aplicar zoom na imagem do exemplo de hoje;</a:t>
+            </a:r>
+            <a:endParaRPr lang="pt-BR" dirty="0" smtClean="0"/>
+          </a:p>
+          <a:p>
+            <a:pPr>
+              <a:buFont typeface="Arial"/>
+              <a:buChar char="•"/>
+            </a:pPr>
+            <a:r>
+              <a:rPr lang="pt-BR" dirty="0" smtClean="0"/>
+              <a:t>Implementar </a:t>
+            </a:r>
+            <a:r>
+              <a:rPr lang="pt-BR" dirty="0" smtClean="0"/>
+              <a:t>o </a:t>
             </a:r>
             <a:r>
               <a:rPr lang="pt-BR" dirty="0" err="1" smtClean="0"/>
@@ -19441,6 +19511,13 @@
   <p:clrMapOvr>
     <a:masterClrMapping/>
   </p:clrMapOvr>
+  <p:timing>
+    <p:tnLst>
+      <p:par>
+        <p:cTn xmlns:p14="http://schemas.microsoft.com/office/powerpoint/2010/main" id="1" dur="indefinite" restart="never" nodeType="tmRoot"/>
+      </p:par>
+    </p:tnLst>
+  </p:timing>
 </p:sld>
 </file>
 
@@ -19915,6 +19992,13 @@
   <p:clrMapOvr>
     <a:masterClrMapping/>
   </p:clrMapOvr>
+  <p:timing>
+    <p:tnLst>
+      <p:par>
+        <p:cTn xmlns:p14="http://schemas.microsoft.com/office/powerpoint/2010/main" id="1" dur="indefinite" restart="never" nodeType="tmRoot"/>
+      </p:par>
+    </p:tnLst>
+  </p:timing>
 </p:sld>
 </file>
 
@@ -20649,6 +20733,13 @@
   <p:clrMapOvr>
     <a:masterClrMapping/>
   </p:clrMapOvr>
+  <p:timing>
+    <p:tnLst>
+      <p:par>
+        <p:cTn xmlns:p14="http://schemas.microsoft.com/office/powerpoint/2010/main" id="1" dur="indefinite" restart="never" nodeType="tmRoot"/>
+      </p:par>
+    </p:tnLst>
+  </p:timing>
 </p:sld>
 </file>
 
